--- a/03 - Objetos e Arquivo JS.pptx
+++ b/03 - Objetos e Arquivo JS.pptx
@@ -249,7 +249,7 @@
             <a:fld id="{E39AF718-7FB6-428A-921C-D3FB8613A777}" type="datetimeFigureOut">
               <a:rPr lang="pt-BR" smtClean="0"/>
               <a:pPr/>
-              <a:t>03/09/2018</a:t>
+              <a:t>10/09/2018</a:t>
             </a:fld>
             <a:endParaRPr lang="pt-BR"/>
           </a:p>
@@ -8471,7 +8471,6 @@
               <a:rPr lang="pt-BR" dirty="0" smtClean="0"/>
               <a:t>&lt;/script&gt;</a:t>
             </a:r>
-            <a:endParaRPr lang="pt-BR" dirty="0" smtClean="0"/>
           </a:p>
         </p:txBody>
       </p:sp>
@@ -8648,7 +8647,6 @@
               <a:rPr lang="pt-BR" dirty="0" smtClean="0"/>
               <a:t>&lt;/script&gt;</a:t>
             </a:r>
-            <a:endParaRPr lang="pt-BR" dirty="0" smtClean="0"/>
           </a:p>
         </p:txBody>
       </p:sp>
@@ -8829,7 +8827,6 @@
               <a:rPr lang="pt-BR" dirty="0" smtClean="0"/>
               <a:t>&lt;/script&gt;</a:t>
             </a:r>
-            <a:endParaRPr lang="pt-BR" dirty="0" smtClean="0"/>
           </a:p>
         </p:txBody>
       </p:sp>
@@ -9010,7 +9007,6 @@
               <a:rPr lang="pt-BR" dirty="0" smtClean="0"/>
               <a:t>&lt;/script&gt;</a:t>
             </a:r>
-            <a:endParaRPr lang="pt-BR" dirty="0" smtClean="0"/>
           </a:p>
         </p:txBody>
       </p:sp>
@@ -10215,7 +10211,7 @@
             <a:fld id="{9EDFDC1D-EAAD-4095-8B40-5BBE948C611D}" type="datetimeFigureOut">
               <a:rPr lang="pt-BR" smtClean="0"/>
               <a:pPr/>
-              <a:t>03/09/2018</a:t>
+              <a:t>10/09/2018</a:t>
             </a:fld>
             <a:endParaRPr lang="pt-BR"/>
           </a:p>
@@ -10413,7 +10409,7 @@
             <a:fld id="{9EDFDC1D-EAAD-4095-8B40-5BBE948C611D}" type="datetimeFigureOut">
               <a:rPr lang="pt-BR" smtClean="0"/>
               <a:pPr/>
-              <a:t>03/09/2018</a:t>
+              <a:t>10/09/2018</a:t>
             </a:fld>
             <a:endParaRPr lang="pt-BR"/>
           </a:p>
@@ -10600,7 +10596,7 @@
             <a:fld id="{9EDFDC1D-EAAD-4095-8B40-5BBE948C611D}" type="datetimeFigureOut">
               <a:rPr lang="pt-BR" smtClean="0"/>
               <a:pPr/>
-              <a:t>03/09/2018</a:t>
+              <a:t>10/09/2018</a:t>
             </a:fld>
             <a:endParaRPr lang="pt-BR"/>
           </a:p>
@@ -10752,7 +10748,7 @@
             <a:fld id="{9EDFDC1D-EAAD-4095-8B40-5BBE948C611D}" type="datetimeFigureOut">
               <a:rPr lang="pt-BR" smtClean="0"/>
               <a:pPr/>
-              <a:t>03/09/2018</a:t>
+              <a:t>10/09/2018</a:t>
             </a:fld>
             <a:endParaRPr lang="pt-BR"/>
           </a:p>
@@ -11009,7 +11005,7 @@
             <a:fld id="{9EDFDC1D-EAAD-4095-8B40-5BBE948C611D}" type="datetimeFigureOut">
               <a:rPr lang="pt-BR" smtClean="0"/>
               <a:pPr/>
-              <a:t>03/09/2018</a:t>
+              <a:t>10/09/2018</a:t>
             </a:fld>
             <a:endParaRPr lang="pt-BR"/>
           </a:p>
@@ -11420,7 +11416,7 @@
             <a:fld id="{9EDFDC1D-EAAD-4095-8B40-5BBE948C611D}" type="datetimeFigureOut">
               <a:rPr lang="pt-BR" smtClean="0"/>
               <a:pPr/>
-              <a:t>03/09/2018</a:t>
+              <a:t>10/09/2018</a:t>
             </a:fld>
             <a:endParaRPr lang="pt-BR"/>
           </a:p>
@@ -11868,7 +11864,7 @@
             <a:fld id="{9EDFDC1D-EAAD-4095-8B40-5BBE948C611D}" type="datetimeFigureOut">
               <a:rPr lang="pt-BR" smtClean="0"/>
               <a:pPr/>
-              <a:t>03/09/2018</a:t>
+              <a:t>10/09/2018</a:t>
             </a:fld>
             <a:endParaRPr lang="pt-BR"/>
           </a:p>
@@ -11971,7 +11967,7 @@
             <a:fld id="{9EDFDC1D-EAAD-4095-8B40-5BBE948C611D}" type="datetimeFigureOut">
               <a:rPr lang="pt-BR" smtClean="0"/>
               <a:pPr/>
-              <a:t>03/09/2018</a:t>
+              <a:t>10/09/2018</a:t>
             </a:fld>
             <a:endParaRPr lang="pt-BR"/>
           </a:p>
@@ -12094,7 +12090,7 @@
             <a:fld id="{9EDFDC1D-EAAD-4095-8B40-5BBE948C611D}" type="datetimeFigureOut">
               <a:rPr lang="pt-BR" smtClean="0"/>
               <a:pPr/>
-              <a:t>03/09/2018</a:t>
+              <a:t>10/09/2018</a:t>
             </a:fld>
             <a:endParaRPr lang="pt-BR"/>
           </a:p>
@@ -12370,7 +12366,7 @@
             <a:fld id="{9EDFDC1D-EAAD-4095-8B40-5BBE948C611D}" type="datetimeFigureOut">
               <a:rPr lang="pt-BR" smtClean="0"/>
               <a:pPr/>
-              <a:t>03/09/2018</a:t>
+              <a:t>10/09/2018</a:t>
             </a:fld>
             <a:endParaRPr lang="pt-BR"/>
           </a:p>
@@ -12577,7 +12573,7 @@
             <a:fld id="{9EDFDC1D-EAAD-4095-8B40-5BBE948C611D}" type="datetimeFigureOut">
               <a:rPr lang="pt-BR" smtClean="0"/>
               <a:pPr/>
-              <a:t>03/09/2018</a:t>
+              <a:t>10/09/2018</a:t>
             </a:fld>
             <a:endParaRPr lang="pt-BR"/>
           </a:p>
@@ -13688,7 +13684,7 @@
             <a:fld id="{9EDFDC1D-EAAD-4095-8B40-5BBE948C611D}" type="datetimeFigureOut">
               <a:rPr lang="pt-BR" smtClean="0"/>
               <a:pPr/>
-              <a:t>03/09/2018</a:t>
+              <a:t>10/09/2018</a:t>
             </a:fld>
             <a:endParaRPr lang="pt-BR"/>
           </a:p>
